--- a/NeoProject1.pptx
+++ b/NeoProject1.pptx
@@ -315,7 +315,7 @@
           <a:p>
             <a:fld id="{BCCB340A-E0EB-8C40-9409-1FFF7FACF38E}" type="datetimeFigureOut">
               <a:rPr lang="en-US" smtClean="0"/>
-              <a:t>2/6/2022</a:t>
+              <a:t>2/8/2022</a:t>
             </a:fld>
             <a:endParaRPr lang="en-US"/>
           </a:p>
@@ -481,7 +481,7 @@
           <a:p>
             <a:fld id="{F540EDA1-C987-DA4A-B537-2A2FE375E7CF}" type="datetimeFigureOut">
               <a:rPr lang="en-US" smtClean="0"/>
-              <a:t>2/6/2022</a:t>
+              <a:t>2/8/2022</a:t>
             </a:fld>
             <a:endParaRPr lang="en-US"/>
           </a:p>
@@ -2213,7 +2213,7 @@
           <a:p>
             <a:fld id="{49876B99-1F5C-4E45-ACF8-A757952A326E}" type="datetime1">
               <a:rPr lang="en-US" smtClean="0"/>
-              <a:t>2/6/2022</a:t>
+              <a:t>2/8/2022</a:t>
             </a:fld>
             <a:endParaRPr lang="en-US"/>
           </a:p>
@@ -2313,7 +2313,7 @@
           <a:p>
             <a:fld id="{7527057D-347E-4F49-87E4-D800B7A46B0A}" type="datetime1">
               <a:rPr lang="en-US" smtClean="0"/>
-              <a:t>2/6/2022</a:t>
+              <a:t>2/8/2022</a:t>
             </a:fld>
             <a:endParaRPr lang="en-US" dirty="0"/>
           </a:p>
@@ -2502,7 +2502,7 @@
           <a:p>
             <a:fld id="{DCFE7AC9-246F-274F-90B0-9B5F72AD257B}" type="datetime1">
               <a:rPr lang="en-US" smtClean="0"/>
-              <a:t>2/6/2022</a:t>
+              <a:t>2/8/2022</a:t>
             </a:fld>
             <a:endParaRPr lang="en-US"/>
           </a:p>
@@ -2688,7 +2688,7 @@
           <a:p>
             <a:fld id="{FF5C5FA7-125C-0C4A-A698-3C3B1B89F9E6}" type="datetime1">
               <a:rPr lang="en-US" smtClean="0"/>
-              <a:t>2/6/2022</a:t>
+              <a:t>2/8/2022</a:t>
             </a:fld>
             <a:endParaRPr lang="en-US"/>
           </a:p>
@@ -2789,7 +2789,7 @@
           <a:p>
             <a:fld id="{85A5C47E-A1DB-2145-AD89-7CD67B276434}" type="datetime1">
               <a:rPr lang="en-US" smtClean="0"/>
-              <a:t>2/6/2022</a:t>
+              <a:t>2/8/2022</a:t>
             </a:fld>
             <a:endParaRPr lang="en-US"/>
           </a:p>
@@ -2941,7 +2941,7 @@
           <a:p>
             <a:fld id="{67801612-8457-0F45-9037-542885C50CD0}" type="datetime1">
               <a:rPr lang="en-US" smtClean="0"/>
-              <a:t>2/6/2022</a:t>
+              <a:t>2/8/2022</a:t>
             </a:fld>
             <a:endParaRPr lang="en-US"/>
           </a:p>
@@ -3232,7 +3232,7 @@
           <a:p>
             <a:fld id="{DE512B47-1129-A14A-A2B6-9E4149B6642C}" type="datetime1">
               <a:rPr lang="en-US" smtClean="0"/>
-              <a:t>2/6/2022</a:t>
+              <a:t>2/8/2022</a:t>
             </a:fld>
             <a:endParaRPr lang="en-US"/>
           </a:p>
@@ -3517,7 +3517,7 @@
           <a:p>
             <a:fld id="{49BF5497-67D5-5B4B-AD21-B28310D102AE}" type="datetime1">
               <a:rPr lang="en-US" smtClean="0"/>
-              <a:t>2/6/2022</a:t>
+              <a:t>2/8/2022</a:t>
             </a:fld>
             <a:endParaRPr lang="en-US"/>
           </a:p>
@@ -3778,7 +3778,7 @@
           <a:p>
             <a:fld id="{6E1EA91A-B92F-8744-80AE-4EADCD339B75}" type="datetime1">
               <a:rPr lang="en-US" smtClean="0"/>
-              <a:t>2/6/2022</a:t>
+              <a:t>2/8/2022</a:t>
             </a:fld>
             <a:endParaRPr lang="en-US"/>
           </a:p>
@@ -3868,7 +3868,7 @@
           <a:p>
             <a:fld id="{44174605-632E-8E46-B0E8-8E407C6C1C1B}" type="datetime1">
               <a:rPr lang="en-US" smtClean="0"/>
-              <a:t>2/6/2022</a:t>
+              <a:t>2/8/2022</a:t>
             </a:fld>
             <a:endParaRPr lang="en-US"/>
           </a:p>
@@ -4182,7 +4182,7 @@
           <a:p>
             <a:fld id="{7527057D-347E-4F49-87E4-D800B7A46B0A}" type="datetime1">
               <a:rPr lang="en-US" smtClean="0"/>
-              <a:t>2/6/2022</a:t>
+              <a:t>2/8/2022</a:t>
             </a:fld>
             <a:endParaRPr lang="en-US" dirty="0"/>
           </a:p>
@@ -5735,6 +5735,21 @@
             <a:r>
               <a:rPr lang="en-US" altLang="zh-CN" dirty="0"/>
               <a:t>Using Python client script to test</a:t>
+            </a:r>
+          </a:p>
+          <a:p>
+            <a:pPr lvl="1"/>
+            <a:r>
+              <a:rPr lang="en-US" altLang="zh-CN" dirty="0" err="1"/>
+              <a:t>Github</a:t>
+            </a:r>
+            <a:r>
+              <a:rPr lang="en-US" altLang="zh-CN"/>
+              <a:t>: https</a:t>
+            </a:r>
+            <a:r>
+              <a:rPr lang="en-US" altLang="zh-CN" dirty="0"/>
+              <a:t>://github.com/YiyangLu/Httptest</a:t>
             </a:r>
           </a:p>
           <a:p>

--- a/NeoProject1.pptx
+++ b/NeoProject1.pptx
@@ -315,7 +315,7 @@
           <a:p>
             <a:fld id="{BCCB340A-E0EB-8C40-9409-1FFF7FACF38E}" type="datetimeFigureOut">
               <a:rPr lang="en-US" smtClean="0"/>
-              <a:t>2/8/2022</a:t>
+              <a:t>2/13/2022</a:t>
             </a:fld>
             <a:endParaRPr lang="en-US"/>
           </a:p>
@@ -481,7 +481,7 @@
           <a:p>
             <a:fld id="{F540EDA1-C987-DA4A-B537-2A2FE375E7CF}" type="datetimeFigureOut">
               <a:rPr lang="en-US" smtClean="0"/>
-              <a:t>2/8/2022</a:t>
+              <a:t>2/13/2022</a:t>
             </a:fld>
             <a:endParaRPr lang="en-US"/>
           </a:p>
@@ -2213,7 +2213,7 @@
           <a:p>
             <a:fld id="{49876B99-1F5C-4E45-ACF8-A757952A326E}" type="datetime1">
               <a:rPr lang="en-US" smtClean="0"/>
-              <a:t>2/8/2022</a:t>
+              <a:t>2/13/2022</a:t>
             </a:fld>
             <a:endParaRPr lang="en-US"/>
           </a:p>
@@ -2313,7 +2313,7 @@
           <a:p>
             <a:fld id="{7527057D-347E-4F49-87E4-D800B7A46B0A}" type="datetime1">
               <a:rPr lang="en-US" smtClean="0"/>
-              <a:t>2/8/2022</a:t>
+              <a:t>2/13/2022</a:t>
             </a:fld>
             <a:endParaRPr lang="en-US" dirty="0"/>
           </a:p>
@@ -2502,7 +2502,7 @@
           <a:p>
             <a:fld id="{DCFE7AC9-246F-274F-90B0-9B5F72AD257B}" type="datetime1">
               <a:rPr lang="en-US" smtClean="0"/>
-              <a:t>2/8/2022</a:t>
+              <a:t>2/13/2022</a:t>
             </a:fld>
             <a:endParaRPr lang="en-US"/>
           </a:p>
@@ -2688,7 +2688,7 @@
           <a:p>
             <a:fld id="{FF5C5FA7-125C-0C4A-A698-3C3B1B89F9E6}" type="datetime1">
               <a:rPr lang="en-US" smtClean="0"/>
-              <a:t>2/8/2022</a:t>
+              <a:t>2/13/2022</a:t>
             </a:fld>
             <a:endParaRPr lang="en-US"/>
           </a:p>
@@ -2789,7 +2789,7 @@
           <a:p>
             <a:fld id="{85A5C47E-A1DB-2145-AD89-7CD67B276434}" type="datetime1">
               <a:rPr lang="en-US" smtClean="0"/>
-              <a:t>2/8/2022</a:t>
+              <a:t>2/13/2022</a:t>
             </a:fld>
             <a:endParaRPr lang="en-US"/>
           </a:p>
@@ -2941,7 +2941,7 @@
           <a:p>
             <a:fld id="{67801612-8457-0F45-9037-542885C50CD0}" type="datetime1">
               <a:rPr lang="en-US" smtClean="0"/>
-              <a:t>2/8/2022</a:t>
+              <a:t>2/13/2022</a:t>
             </a:fld>
             <a:endParaRPr lang="en-US"/>
           </a:p>
@@ -3232,7 +3232,7 @@
           <a:p>
             <a:fld id="{DE512B47-1129-A14A-A2B6-9E4149B6642C}" type="datetime1">
               <a:rPr lang="en-US" smtClean="0"/>
-              <a:t>2/8/2022</a:t>
+              <a:t>2/13/2022</a:t>
             </a:fld>
             <a:endParaRPr lang="en-US"/>
           </a:p>
@@ -3517,7 +3517,7 @@
           <a:p>
             <a:fld id="{49BF5497-67D5-5B4B-AD21-B28310D102AE}" type="datetime1">
               <a:rPr lang="en-US" smtClean="0"/>
-              <a:t>2/8/2022</a:t>
+              <a:t>2/13/2022</a:t>
             </a:fld>
             <a:endParaRPr lang="en-US"/>
           </a:p>
@@ -3778,7 +3778,7 @@
           <a:p>
             <a:fld id="{6E1EA91A-B92F-8744-80AE-4EADCD339B75}" type="datetime1">
               <a:rPr lang="en-US" smtClean="0"/>
-              <a:t>2/8/2022</a:t>
+              <a:t>2/13/2022</a:t>
             </a:fld>
             <a:endParaRPr lang="en-US"/>
           </a:p>
@@ -3868,7 +3868,7 @@
           <a:p>
             <a:fld id="{44174605-632E-8E46-B0E8-8E407C6C1C1B}" type="datetime1">
               <a:rPr lang="en-US" smtClean="0"/>
-              <a:t>2/8/2022</a:t>
+              <a:t>2/13/2022</a:t>
             </a:fld>
             <a:endParaRPr lang="en-US"/>
           </a:p>
@@ -4182,7 +4182,7 @@
           <a:p>
             <a:fld id="{7527057D-347E-4F49-87E4-D800B7A46B0A}" type="datetime1">
               <a:rPr lang="en-US" smtClean="0"/>
-              <a:t>2/8/2022</a:t>
+              <a:t>2/13/2022</a:t>
             </a:fld>
             <a:endParaRPr lang="en-US" dirty="0"/>
           </a:p>
@@ -5282,6 +5282,20 @@
             </a:r>
           </a:p>
           <a:p>
+            <a:pPr lvl="1"/>
+            <a:r>
+              <a:rPr lang="en-US" altLang="zh-CN" sz="2000" dirty="0"/>
+              <a:t>Command line to run the server</a:t>
+            </a:r>
+          </a:p>
+          <a:p>
+            <a:pPr lvl="1"/>
+            <a:r>
+              <a:rPr lang="en-US" sz="2000" dirty="0"/>
+              <a:t>Environment for code running</a:t>
+            </a:r>
+          </a:p>
+          <a:p>
             <a:endParaRPr lang="en-US" sz="2000" dirty="0"/>
           </a:p>
           <a:p>
@@ -5448,7 +5462,15 @@
             <a:pPr lvl="2"/>
             <a:r>
               <a:rPr lang="en-US" sz="1200" dirty="0"/>
-              <a:t>Decode HTTP header and store them as key-vale pair (dictionary type)</a:t>
+              <a:t>Decode HTTP header and store them </a:t>
+            </a:r>
+            <a:r>
+              <a:rPr lang="en-US" sz="1200"/>
+              <a:t>as key-value </a:t>
+            </a:r>
+            <a:r>
+              <a:rPr lang="en-US" sz="1200" dirty="0"/>
+              <a:t>pair (dictionary type)</a:t>
             </a:r>
           </a:p>
           <a:p>
@@ -6444,7 +6466,7 @@
           <p:nvPr>
             <p:extLst>
               <p:ext uri="{D42A27DB-BD31-4B8C-83A1-F6EECF244321}">
-                <p14:modId xmlns:p14="http://schemas.microsoft.com/office/powerpoint/2010/main" val="669314297"/>
+                <p14:modId xmlns:p14="http://schemas.microsoft.com/office/powerpoint/2010/main" val="584282766"/>
               </p:ext>
             </p:extLst>
           </p:nvPr>
@@ -6700,7 +6722,7 @@
                     <a:p>
                       <a:r>
                         <a:rPr lang="en-US" sz="1100" dirty="0"/>
-                        <a:t>Wed, 21 Oct 2015 07:28:00 GMTR</a:t>
+                        <a:t>Wed, 21 Oct 2015 07:28:00 GMT</a:t>
                       </a:r>
                     </a:p>
                   </a:txBody>
@@ -6735,15 +6757,18 @@
                             <a:srgbClr val="FFFF00"/>
                           </a:highlight>
                         </a:rPr>
-                        <a:t>http://127.0.0.1/ </a:t>
+                        <a:t>/</a:t>
                       </a:r>
                       <a:r>
                         <a:rPr lang="en-US" sz="1100" b="0" dirty="0"/>
-                        <a:t>HTTP/1.1</a:t>
+                        <a:t> HTTP/1.1</a:t>
                       </a:r>
                     </a:p>
                     <a:p>
-                      <a:endParaRPr lang="en-US" sz="1100" b="0" dirty="0"/>
+                      <a:r>
+                        <a:rPr lang="en-US" sz="1100" b="0" dirty="0"/>
+                        <a:t>Host:127.0.0.1</a:t>
+                      </a:r>
                     </a:p>
                     <a:p>
                       <a:r>
@@ -7719,7 +7744,7 @@
           <p:nvPr>
             <p:extLst>
               <p:ext uri="{D42A27DB-BD31-4B8C-83A1-F6EECF244321}">
-                <p14:modId xmlns:p14="http://schemas.microsoft.com/office/powerpoint/2010/main" val="1890038674"/>
+                <p14:modId xmlns:p14="http://schemas.microsoft.com/office/powerpoint/2010/main" val="2198040269"/>
               </p:ext>
             </p:extLst>
           </p:nvPr>
@@ -8001,12 +8026,19 @@
                     </a:p>
                     <a:p>
                       <a:r>
+                        <a:rPr lang="en-US" altLang="zh-CN" sz="1100" b="0" dirty="0"/>
+                        <a:t>HEAD</a:t>
+                      </a:r>
+                      <a:r>
                         <a:rPr lang="en-US" sz="1100" b="0" dirty="0"/>
-                        <a:t>HEAD http://127.0.0.1/ HTTP/1.1</a:t>
+                        <a:t> / HTTP/1.1</a:t>
                       </a:r>
                     </a:p>
                     <a:p>
-                      <a:endParaRPr lang="en-US" sz="1100" b="0" dirty="0"/>
+                      <a:r>
+                        <a:rPr lang="en-US" sz="1100" b="0" dirty="0"/>
+                        <a:t>Host:127.0.0.1</a:t>
+                      </a:r>
                     </a:p>
                     <a:p>
                       <a:r>
